--- a/ヒミツノトビラ.pptx
+++ b/ヒミツノトビラ.pptx
@@ -9,6 +9,10 @@
     <p:sldId id="258" r:id="rId3"/>
     <p:sldId id="257" r:id="rId4"/>
     <p:sldId id="259" r:id="rId5"/>
+    <p:sldId id="261" r:id="rId6"/>
+    <p:sldId id="260" r:id="rId7"/>
+    <p:sldId id="262" r:id="rId8"/>
+    <p:sldId id="263" r:id="rId9"/>
   </p:sldIdLst>
   <p:sldSz cx="9144000" cy="6858000" type="screen4x3"/>
   <p:notesSz cx="6858000" cy="9144000"/>
@@ -4213,6 +4217,642 @@
 </p:sld>
 </file>
 
+<file path=ppt/slides/slide5.xml><?xml version="1.0" encoding="utf-8"?>
+<p:sld xmlns:a="http://schemas.openxmlformats.org/drawingml/2006/main" xmlns:r="http://schemas.openxmlformats.org/officeDocument/2006/relationships" xmlns:p="http://schemas.openxmlformats.org/presentationml/2006/main">
+  <p:cSld>
+    <p:spTree>
+      <p:nvGrpSpPr>
+        <p:cNvPr id="1" name=""/>
+        <p:cNvGrpSpPr/>
+        <p:nvPr/>
+      </p:nvGrpSpPr>
+      <p:grpSpPr>
+        <a:xfrm>
+          <a:off x="0" y="0"/>
+          <a:ext cx="0" cy="0"/>
+          <a:chOff x="0" y="0"/>
+          <a:chExt cx="0" cy="0"/>
+        </a:xfrm>
+      </p:grpSpPr>
+      <p:sp>
+        <p:nvSpPr>
+          <p:cNvPr id="2" name="タイトル 1"/>
+          <p:cNvSpPr>
+            <a:spLocks noGrp="1"/>
+          </p:cNvSpPr>
+          <p:nvPr>
+            <p:ph type="title"/>
+          </p:nvPr>
+        </p:nvSpPr>
+        <p:spPr/>
+        <p:txBody>
+          <a:bodyPr/>
+          <a:lstStyle/>
+          <a:p>
+            <a:r>
+              <a:rPr kumimoji="1" lang="ja-JP" altLang="en-US" dirty="0" smtClean="0"/>
+              <a:t>ステータス</a:t>
+            </a:r>
+            <a:endParaRPr kumimoji="1" lang="ja-JP" altLang="en-US" dirty="0"/>
+          </a:p>
+        </p:txBody>
+      </p:sp>
+      <p:sp>
+        <p:nvSpPr>
+          <p:cNvPr id="3" name="コンテンツ プレースホルダー 2"/>
+          <p:cNvSpPr>
+            <a:spLocks noGrp="1"/>
+          </p:cNvSpPr>
+          <p:nvPr>
+            <p:ph idx="1"/>
+          </p:nvPr>
+        </p:nvSpPr>
+        <p:spPr/>
+        <p:txBody>
+          <a:bodyPr>
+            <a:normAutofit/>
+          </a:bodyPr>
+          <a:lstStyle/>
+          <a:p>
+            <a:r>
+              <a:rPr kumimoji="1" lang="ja-JP" altLang="en-US" dirty="0" smtClean="0"/>
+              <a:t>体力</a:t>
+            </a:r>
+            <a:endParaRPr kumimoji="1" lang="en-US" altLang="ja-JP" dirty="0" smtClean="0"/>
+          </a:p>
+          <a:p>
+            <a:r>
+              <a:rPr lang="ja-JP" altLang="en-US" dirty="0" smtClean="0"/>
+              <a:t>スタミナ</a:t>
+            </a:r>
+            <a:endParaRPr lang="en-US" altLang="ja-JP" dirty="0" smtClean="0"/>
+          </a:p>
+          <a:p>
+            <a:r>
+              <a:rPr kumimoji="1" lang="ja-JP" altLang="en-US" dirty="0" smtClean="0"/>
+              <a:t>持久力</a:t>
+            </a:r>
+            <a:r>
+              <a:rPr kumimoji="1" lang="en-US" altLang="ja-JP" dirty="0" smtClean="0"/>
+              <a:t>(</a:t>
+            </a:r>
+            <a:r>
+              <a:rPr kumimoji="1" lang="ja-JP" altLang="en-US" dirty="0" smtClean="0"/>
+              <a:t>スタミナ回復力</a:t>
+            </a:r>
+            <a:r>
+              <a:rPr kumimoji="1" lang="en-US" altLang="ja-JP" dirty="0" smtClean="0"/>
+              <a:t>)</a:t>
+            </a:r>
+          </a:p>
+          <a:p>
+            <a:r>
+              <a:rPr kumimoji="1" lang="ja-JP" altLang="en-US" dirty="0" smtClean="0"/>
+              <a:t>攻撃力</a:t>
+            </a:r>
+            <a:endParaRPr kumimoji="1" lang="en-US" altLang="ja-JP" dirty="0" smtClean="0"/>
+          </a:p>
+          <a:p>
+            <a:r>
+              <a:rPr lang="ja-JP" altLang="en-US" dirty="0" smtClean="0"/>
+              <a:t>防御力</a:t>
+            </a:r>
+            <a:endParaRPr lang="en-US" altLang="ja-JP" dirty="0" smtClean="0"/>
+          </a:p>
+          <a:p>
+            <a:r>
+              <a:rPr lang="ja-JP" altLang="en-US" dirty="0" smtClean="0"/>
+              <a:t>魔力</a:t>
+            </a:r>
+            <a:endParaRPr lang="en-US" altLang="ja-JP" dirty="0" smtClean="0"/>
+          </a:p>
+          <a:p>
+            <a:r>
+              <a:rPr lang="ja-JP" altLang="en-US" dirty="0" smtClean="0"/>
+              <a:t>精神力</a:t>
+            </a:r>
+            <a:r>
+              <a:rPr lang="en-US" altLang="ja-JP" dirty="0" smtClean="0"/>
+              <a:t>(</a:t>
+            </a:r>
+            <a:r>
+              <a:rPr lang="ja-JP" altLang="en-US" dirty="0" smtClean="0"/>
+              <a:t>魔法防御</a:t>
+            </a:r>
+            <a:r>
+              <a:rPr lang="en-US" altLang="ja-JP" dirty="0" smtClean="0"/>
+              <a:t>+</a:t>
+            </a:r>
+            <a:r>
+              <a:rPr lang="ja-JP" altLang="en-US" dirty="0" smtClean="0"/>
+              <a:t>回復力</a:t>
+            </a:r>
+            <a:r>
+              <a:rPr lang="en-US" altLang="ja-JP" dirty="0" smtClean="0"/>
+              <a:t>)</a:t>
+            </a:r>
+          </a:p>
+          <a:p>
+            <a:r>
+              <a:rPr lang="ja-JP" altLang="en-US" dirty="0" smtClean="0"/>
+              <a:t>速さ</a:t>
+            </a:r>
+            <a:endParaRPr lang="en-US" altLang="ja-JP" dirty="0" smtClean="0"/>
+          </a:p>
+        </p:txBody>
+      </p:sp>
+    </p:spTree>
+    <p:extLst>
+      <p:ext uri="{BB962C8B-B14F-4D97-AF65-F5344CB8AC3E}">
+        <p14:creationId xmlns:p14="http://schemas.microsoft.com/office/powerpoint/2010/main" val="157560003"/>
+      </p:ext>
+    </p:extLst>
+  </p:cSld>
+  <p:clrMapOvr>
+    <a:masterClrMapping/>
+  </p:clrMapOvr>
+</p:sld>
+</file>
+
+<file path=ppt/slides/slide6.xml><?xml version="1.0" encoding="utf-8"?>
+<p:sld xmlns:a="http://schemas.openxmlformats.org/drawingml/2006/main" xmlns:r="http://schemas.openxmlformats.org/officeDocument/2006/relationships" xmlns:p="http://schemas.openxmlformats.org/presentationml/2006/main">
+  <p:cSld>
+    <p:spTree>
+      <p:nvGrpSpPr>
+        <p:cNvPr id="1" name=""/>
+        <p:cNvGrpSpPr/>
+        <p:nvPr/>
+      </p:nvGrpSpPr>
+      <p:grpSpPr>
+        <a:xfrm>
+          <a:off x="0" y="0"/>
+          <a:ext cx="0" cy="0"/>
+          <a:chOff x="0" y="0"/>
+          <a:chExt cx="0" cy="0"/>
+        </a:xfrm>
+      </p:grpSpPr>
+      <p:sp>
+        <p:nvSpPr>
+          <p:cNvPr id="2" name="タイトル 1"/>
+          <p:cNvSpPr>
+            <a:spLocks noGrp="1"/>
+          </p:cNvSpPr>
+          <p:nvPr>
+            <p:ph type="title"/>
+          </p:nvPr>
+        </p:nvSpPr>
+        <p:spPr/>
+        <p:txBody>
+          <a:bodyPr/>
+          <a:lstStyle/>
+          <a:p>
+            <a:r>
+              <a:rPr kumimoji="1" lang="ja-JP" altLang="en-US" dirty="0" smtClean="0"/>
+              <a:t>ステータス上昇</a:t>
+            </a:r>
+            <a:endParaRPr kumimoji="1" lang="ja-JP" altLang="en-US" dirty="0"/>
+          </a:p>
+        </p:txBody>
+      </p:sp>
+      <p:sp>
+        <p:nvSpPr>
+          <p:cNvPr id="3" name="コンテンツ プレースホルダー 2"/>
+          <p:cNvSpPr>
+            <a:spLocks noGrp="1"/>
+          </p:cNvSpPr>
+          <p:nvPr>
+            <p:ph idx="1"/>
+          </p:nvPr>
+        </p:nvSpPr>
+        <p:spPr/>
+        <p:txBody>
+          <a:bodyPr/>
+          <a:lstStyle/>
+          <a:p>
+            <a:r>
+              <a:rPr kumimoji="1" lang="ja-JP" altLang="en-US" dirty="0" smtClean="0"/>
+              <a:t>キャラクター</a:t>
+            </a:r>
+            <a:endParaRPr kumimoji="1" lang="en-US" altLang="ja-JP" dirty="0" smtClean="0"/>
+          </a:p>
+          <a:p>
+            <a:pPr lvl="1"/>
+            <a:r>
+              <a:rPr lang="ja-JP" altLang="en-US" dirty="0" smtClean="0"/>
+              <a:t>レベル</a:t>
+            </a:r>
+            <a:r>
+              <a:rPr lang="en-US" altLang="ja-JP" dirty="0" smtClean="0"/>
+              <a:t>up(</a:t>
+            </a:r>
+            <a:r>
+              <a:rPr lang="ja-JP" altLang="en-US" dirty="0" smtClean="0"/>
+              <a:t>戦闘時の経験値で上昇</a:t>
+            </a:r>
+            <a:r>
+              <a:rPr lang="en-US" altLang="ja-JP" dirty="0" smtClean="0"/>
+              <a:t>)</a:t>
+            </a:r>
+          </a:p>
+          <a:p>
+            <a:pPr lvl="2"/>
+            <a:r>
+              <a:rPr lang="ja-JP" altLang="en-US" dirty="0" smtClean="0"/>
+              <a:t>全てのステータスが上昇</a:t>
+            </a:r>
+            <a:endParaRPr lang="en-US" altLang="ja-JP" dirty="0" smtClean="0"/>
+          </a:p>
+          <a:p>
+            <a:pPr lvl="2"/>
+            <a:r>
+              <a:rPr kumimoji="1" lang="ja-JP" altLang="en-US" dirty="0" smtClean="0"/>
+              <a:t>スキル習得</a:t>
+            </a:r>
+            <a:endParaRPr kumimoji="1" lang="en-US" altLang="ja-JP" dirty="0" smtClean="0"/>
+          </a:p>
+          <a:p>
+            <a:r>
+              <a:rPr lang="ja-JP" altLang="en-US" dirty="0" smtClean="0"/>
+              <a:t>鍵</a:t>
+            </a:r>
+            <a:endParaRPr lang="en-US" altLang="ja-JP" dirty="0" smtClean="0"/>
+          </a:p>
+          <a:p>
+            <a:pPr lvl="1"/>
+            <a:r>
+              <a:rPr lang="ja-JP" altLang="en-US" dirty="0" smtClean="0"/>
+              <a:t>レベル</a:t>
+            </a:r>
+            <a:r>
+              <a:rPr lang="en-US" altLang="ja-JP" dirty="0" smtClean="0"/>
+              <a:t>up(</a:t>
+            </a:r>
+            <a:r>
+              <a:rPr lang="ja-JP" altLang="en-US" dirty="0" smtClean="0"/>
+              <a:t>エレメント</a:t>
+            </a:r>
+            <a:r>
+              <a:rPr lang="en-US" altLang="ja-JP" dirty="0" smtClean="0"/>
+              <a:t>(</a:t>
+            </a:r>
+            <a:r>
+              <a:rPr lang="ja-JP" altLang="en-US" dirty="0" smtClean="0"/>
+              <a:t>戦闘で入手する素材</a:t>
+            </a:r>
+            <a:r>
+              <a:rPr lang="en-US" altLang="ja-JP" dirty="0" smtClean="0"/>
+              <a:t>)</a:t>
+            </a:r>
+            <a:r>
+              <a:rPr lang="ja-JP" altLang="en-US" dirty="0" smtClean="0"/>
+              <a:t>使用で上昇</a:t>
+            </a:r>
+            <a:r>
+              <a:rPr lang="en-US" altLang="ja-JP" dirty="0" smtClean="0"/>
+              <a:t>)</a:t>
+            </a:r>
+          </a:p>
+          <a:p>
+            <a:pPr lvl="2"/>
+            <a:r>
+              <a:rPr lang="ja-JP" altLang="en-US" dirty="0" smtClean="0"/>
+              <a:t>換装時のステータス上昇</a:t>
+            </a:r>
+            <a:r>
+              <a:rPr lang="en-US" altLang="ja-JP" dirty="0" smtClean="0"/>
+              <a:t>(</a:t>
+            </a:r>
+            <a:r>
+              <a:rPr lang="ja-JP" altLang="en-US" dirty="0" smtClean="0"/>
+              <a:t>体力</a:t>
+            </a:r>
+            <a:r>
+              <a:rPr lang="en-US" altLang="ja-JP" dirty="0" smtClean="0"/>
+              <a:t>,</a:t>
+            </a:r>
+            <a:r>
+              <a:rPr lang="ja-JP" altLang="en-US" dirty="0" smtClean="0"/>
+              <a:t>スタミナ以外</a:t>
+            </a:r>
+            <a:r>
+              <a:rPr lang="en-US" altLang="ja-JP" dirty="0" smtClean="0"/>
+              <a:t>)</a:t>
+            </a:r>
+          </a:p>
+          <a:p>
+            <a:pPr lvl="2"/>
+            <a:r>
+              <a:rPr lang="ja-JP" altLang="en-US" dirty="0" smtClean="0"/>
+              <a:t>換装時のみ使用可能なスキル習得</a:t>
+            </a:r>
+            <a:endParaRPr lang="en-US" altLang="ja-JP" dirty="0" smtClean="0"/>
+          </a:p>
+          <a:p>
+            <a:pPr lvl="1"/>
+            <a:endParaRPr kumimoji="1" lang="ja-JP" altLang="en-US" dirty="0"/>
+          </a:p>
+        </p:txBody>
+      </p:sp>
+    </p:spTree>
+    <p:extLst>
+      <p:ext uri="{BB962C8B-B14F-4D97-AF65-F5344CB8AC3E}">
+        <p14:creationId xmlns:p14="http://schemas.microsoft.com/office/powerpoint/2010/main" val="1845101898"/>
+      </p:ext>
+    </p:extLst>
+  </p:cSld>
+  <p:clrMapOvr>
+    <a:masterClrMapping/>
+  </p:clrMapOvr>
+</p:sld>
+</file>
+
+<file path=ppt/slides/slide7.xml><?xml version="1.0" encoding="utf-8"?>
+<p:sld xmlns:a="http://schemas.openxmlformats.org/drawingml/2006/main" xmlns:r="http://schemas.openxmlformats.org/officeDocument/2006/relationships" xmlns:p="http://schemas.openxmlformats.org/presentationml/2006/main">
+  <p:cSld>
+    <p:spTree>
+      <p:nvGrpSpPr>
+        <p:cNvPr id="1" name=""/>
+        <p:cNvGrpSpPr/>
+        <p:nvPr/>
+      </p:nvGrpSpPr>
+      <p:grpSpPr>
+        <a:xfrm>
+          <a:off x="0" y="0"/>
+          <a:ext cx="0" cy="0"/>
+          <a:chOff x="0" y="0"/>
+          <a:chExt cx="0" cy="0"/>
+        </a:xfrm>
+      </p:grpSpPr>
+      <p:sp>
+        <p:nvSpPr>
+          <p:cNvPr id="2" name="タイトル 1"/>
+          <p:cNvSpPr>
+            <a:spLocks noGrp="1"/>
+          </p:cNvSpPr>
+          <p:nvPr>
+            <p:ph type="title"/>
+          </p:nvPr>
+        </p:nvSpPr>
+        <p:spPr/>
+        <p:txBody>
+          <a:bodyPr/>
+          <a:lstStyle/>
+          <a:p>
+            <a:r>
+              <a:rPr kumimoji="1" lang="ja-JP" altLang="en-US" dirty="0" smtClean="0"/>
+              <a:t>スキル</a:t>
+            </a:r>
+            <a:endParaRPr kumimoji="1" lang="ja-JP" altLang="en-US" dirty="0"/>
+          </a:p>
+        </p:txBody>
+      </p:sp>
+      <p:sp>
+        <p:nvSpPr>
+          <p:cNvPr id="3" name="コンテンツ プレースホルダー 2"/>
+          <p:cNvSpPr>
+            <a:spLocks noGrp="1"/>
+          </p:cNvSpPr>
+          <p:nvPr>
+            <p:ph idx="1"/>
+          </p:nvPr>
+        </p:nvSpPr>
+        <p:spPr/>
+        <p:txBody>
+          <a:bodyPr/>
+          <a:lstStyle/>
+          <a:p>
+            <a:r>
+              <a:rPr lang="ja-JP" altLang="en-US" dirty="0" smtClean="0"/>
+              <a:t>発動条件</a:t>
+            </a:r>
+            <a:r>
+              <a:rPr lang="en-US" altLang="ja-JP" dirty="0" smtClean="0"/>
+              <a:t>(</a:t>
+            </a:r>
+            <a:r>
+              <a:rPr lang="ja-JP" altLang="en-US" dirty="0" smtClean="0"/>
+              <a:t>換装状態</a:t>
+            </a:r>
+            <a:r>
+              <a:rPr lang="en-US" altLang="ja-JP" dirty="0" smtClean="0"/>
+              <a:t>)</a:t>
+            </a:r>
+          </a:p>
+          <a:p>
+            <a:r>
+              <a:rPr lang="ja-JP" altLang="en-US" dirty="0" smtClean="0"/>
+              <a:t>消費スタミナ</a:t>
+            </a:r>
+            <a:endParaRPr lang="en-US" altLang="ja-JP" dirty="0" smtClean="0"/>
+          </a:p>
+          <a:p>
+            <a:r>
+              <a:rPr lang="ja-JP" altLang="en-US" dirty="0" smtClean="0"/>
+              <a:t>行動優先度</a:t>
+            </a:r>
+            <a:endParaRPr lang="en-US" altLang="ja-JP" dirty="0" smtClean="0"/>
+          </a:p>
+          <a:p>
+            <a:r>
+              <a:rPr lang="ja-JP" altLang="en-US" dirty="0" smtClean="0"/>
+              <a:t>効果</a:t>
+            </a:r>
+            <a:endParaRPr lang="en-US" altLang="ja-JP" dirty="0" smtClean="0"/>
+          </a:p>
+          <a:p>
+            <a:pPr lvl="1"/>
+            <a:r>
+              <a:rPr lang="ja-JP" altLang="en-US" dirty="0" smtClean="0"/>
+              <a:t>対象</a:t>
+            </a:r>
+            <a:endParaRPr lang="en-US" altLang="ja-JP" dirty="0" smtClean="0"/>
+          </a:p>
+          <a:p>
+            <a:pPr lvl="1"/>
+            <a:r>
+              <a:rPr lang="ja-JP" altLang="en-US" dirty="0" smtClean="0"/>
+              <a:t>属性</a:t>
+            </a:r>
+            <a:r>
+              <a:rPr lang="en-US" altLang="ja-JP" dirty="0" smtClean="0"/>
+              <a:t>(</a:t>
+            </a:r>
+            <a:r>
+              <a:rPr lang="ja-JP" altLang="en-US" dirty="0" smtClean="0"/>
+              <a:t>物理</a:t>
+            </a:r>
+            <a:r>
+              <a:rPr lang="en-US" altLang="ja-JP" dirty="0" smtClean="0"/>
+              <a:t>or</a:t>
+            </a:r>
+            <a:r>
+              <a:rPr lang="ja-JP" altLang="en-US" dirty="0" smtClean="0"/>
+              <a:t>魔法</a:t>
+            </a:r>
+            <a:r>
+              <a:rPr lang="en-US" altLang="ja-JP" dirty="0" smtClean="0"/>
+              <a:t>or</a:t>
+            </a:r>
+            <a:r>
+              <a:rPr lang="ja-JP" altLang="en-US" dirty="0" smtClean="0"/>
+              <a:t>回復</a:t>
+            </a:r>
+            <a:r>
+              <a:rPr lang="en-US" altLang="ja-JP" dirty="0" smtClean="0"/>
+              <a:t>or</a:t>
+            </a:r>
+            <a:r>
+              <a:rPr lang="ja-JP" altLang="en-US" dirty="0" smtClean="0"/>
+              <a:t>補助</a:t>
+            </a:r>
+            <a:r>
+              <a:rPr lang="en-US" altLang="ja-JP" dirty="0" smtClean="0"/>
+              <a:t>(</a:t>
+            </a:r>
+            <a:r>
+              <a:rPr lang="ja-JP" altLang="en-US" dirty="0" smtClean="0"/>
+              <a:t>効果</a:t>
+            </a:r>
+            <a:r>
+              <a:rPr lang="en-US" altLang="ja-JP" dirty="0" smtClean="0"/>
+              <a:t>))</a:t>
+            </a:r>
+          </a:p>
+          <a:p>
+            <a:pPr lvl="1"/>
+            <a:r>
+              <a:rPr lang="ja-JP" altLang="en-US" dirty="0" smtClean="0"/>
+              <a:t>威力</a:t>
+            </a:r>
+            <a:endParaRPr lang="en-US" altLang="ja-JP" dirty="0" smtClean="0"/>
+          </a:p>
+          <a:p>
+            <a:pPr lvl="1"/>
+            <a:endParaRPr lang="en-US" altLang="ja-JP" dirty="0" smtClean="0"/>
+          </a:p>
+        </p:txBody>
+      </p:sp>
+    </p:spTree>
+    <p:extLst>
+      <p:ext uri="{BB962C8B-B14F-4D97-AF65-F5344CB8AC3E}">
+        <p14:creationId xmlns:p14="http://schemas.microsoft.com/office/powerpoint/2010/main" val="452375037"/>
+      </p:ext>
+    </p:extLst>
+  </p:cSld>
+  <p:clrMapOvr>
+    <a:masterClrMapping/>
+  </p:clrMapOvr>
+</p:sld>
+</file>
+
+<file path=ppt/slides/slide8.xml><?xml version="1.0" encoding="utf-8"?>
+<p:sld xmlns:a="http://schemas.openxmlformats.org/drawingml/2006/main" xmlns:r="http://schemas.openxmlformats.org/officeDocument/2006/relationships" xmlns:p="http://schemas.openxmlformats.org/presentationml/2006/main">
+  <p:cSld>
+    <p:spTree>
+      <p:nvGrpSpPr>
+        <p:cNvPr id="1" name=""/>
+        <p:cNvGrpSpPr/>
+        <p:nvPr/>
+      </p:nvGrpSpPr>
+      <p:grpSpPr>
+        <a:xfrm>
+          <a:off x="0" y="0"/>
+          <a:ext cx="0" cy="0"/>
+          <a:chOff x="0" y="0"/>
+          <a:chExt cx="0" cy="0"/>
+        </a:xfrm>
+      </p:grpSpPr>
+      <p:sp>
+        <p:nvSpPr>
+          <p:cNvPr id="2" name="タイトル 1"/>
+          <p:cNvSpPr>
+            <a:spLocks noGrp="1"/>
+          </p:cNvSpPr>
+          <p:nvPr>
+            <p:ph type="title"/>
+          </p:nvPr>
+        </p:nvSpPr>
+        <p:spPr/>
+        <p:txBody>
+          <a:bodyPr/>
+          <a:lstStyle/>
+          <a:p>
+            <a:r>
+              <a:rPr kumimoji="1" lang="ja-JP" altLang="en-US" dirty="0" smtClean="0"/>
+              <a:t>鍵</a:t>
+            </a:r>
+            <a:endParaRPr kumimoji="1" lang="ja-JP" altLang="en-US" dirty="0"/>
+          </a:p>
+        </p:txBody>
+      </p:sp>
+      <p:sp>
+        <p:nvSpPr>
+          <p:cNvPr id="3" name="コンテンツ プレースホルダー 2"/>
+          <p:cNvSpPr>
+            <a:spLocks noGrp="1"/>
+          </p:cNvSpPr>
+          <p:nvPr>
+            <p:ph idx="1"/>
+          </p:nvPr>
+        </p:nvSpPr>
+        <p:spPr/>
+        <p:txBody>
+          <a:bodyPr/>
+          <a:lstStyle/>
+          <a:p>
+            <a:r>
+              <a:rPr kumimoji="1" lang="ja-JP" altLang="en-US" dirty="0" smtClean="0"/>
+              <a:t>換装時のスタミナ消費量</a:t>
+            </a:r>
+            <a:endParaRPr kumimoji="1" lang="en-US" altLang="ja-JP" dirty="0" smtClean="0"/>
+          </a:p>
+          <a:p>
+            <a:r>
+              <a:rPr lang="ja-JP" altLang="en-US" dirty="0" smtClean="0"/>
+              <a:t>換装中のスタミナ消費量</a:t>
+            </a:r>
+            <a:endParaRPr kumimoji="1" lang="en-US" altLang="ja-JP" dirty="0" smtClean="0"/>
+          </a:p>
+          <a:p>
+            <a:r>
+              <a:rPr lang="ja-JP" altLang="en-US" dirty="0" smtClean="0"/>
+              <a:t>換装時の上昇ステータス</a:t>
+            </a:r>
+            <a:endParaRPr lang="en-US" altLang="ja-JP" dirty="0" smtClean="0"/>
+          </a:p>
+          <a:p>
+            <a:r>
+              <a:rPr lang="ja-JP" altLang="en-US" dirty="0" smtClean="0"/>
+              <a:t>パッシブ効果</a:t>
+            </a:r>
+            <a:endParaRPr lang="en-US" altLang="ja-JP" dirty="0" smtClean="0"/>
+          </a:p>
+          <a:p>
+            <a:r>
+              <a:rPr lang="ja-JP" altLang="en-US" dirty="0"/>
+              <a:t>換装時の</a:t>
+            </a:r>
+            <a:r>
+              <a:rPr lang="ja-JP" altLang="en-US" dirty="0" smtClean="0"/>
+              <a:t>画像</a:t>
+            </a:r>
+            <a:endParaRPr lang="en-US" altLang="ja-JP" dirty="0"/>
+          </a:p>
+        </p:txBody>
+      </p:sp>
+    </p:spTree>
+    <p:extLst>
+      <p:ext uri="{BB962C8B-B14F-4D97-AF65-F5344CB8AC3E}">
+        <p14:creationId xmlns:p14="http://schemas.microsoft.com/office/powerpoint/2010/main" val="1864630330"/>
+      </p:ext>
+    </p:extLst>
+  </p:cSld>
+  <p:clrMapOvr>
+    <a:masterClrMapping/>
+  </p:clrMapOvr>
+</p:sld>
+</file>
+
 <file path=ppt/theme/theme1.xml><?xml version="1.0" encoding="utf-8"?>
 <a:theme xmlns:a="http://schemas.openxmlformats.org/drawingml/2006/main" name="Office テーマ">
   <a:themeElements>
